--- a/5_term/МППиУ/SOFT_FX_PRES_5.pptx
+++ b/5_term/МППиУ/SOFT_FX_PRES_5.pptx
@@ -9,7 +9,11 @@
     <p:sldId id="257" r:id="rId3"/>
     <p:sldId id="261" r:id="rId4"/>
     <p:sldId id="262" r:id="rId5"/>
-    <p:sldId id="265" r:id="rId6"/>
+    <p:sldId id="266" r:id="rId6"/>
+    <p:sldId id="268" r:id="rId7"/>
+    <p:sldId id="269" r:id="rId8"/>
+    <p:sldId id="270" r:id="rId9"/>
+    <p:sldId id="265" r:id="rId10"/>
   </p:sldIdLst>
   <p:sldSz cx="12192000" cy="6858000"/>
   <p:notesSz cx="6858000" cy="9144000"/>
@@ -302,7 +306,7 @@
           <a:p>
             <a:fld id="{DB9F53D1-A45D-42A0-860E-F6E788FC6D32}" type="datetimeFigureOut">
               <a:rPr lang="ru-RU" smtClean="0"/>
-              <a:t>15.11.2023</a:t>
+              <a:t>16.11.2023</a:t>
             </a:fld>
             <a:endParaRPr lang="ru-RU"/>
           </a:p>
@@ -577,7 +581,7 @@
           <a:p>
             <a:fld id="{DB9F53D1-A45D-42A0-860E-F6E788FC6D32}" type="datetimeFigureOut">
               <a:rPr lang="ru-RU" smtClean="0"/>
-              <a:t>15.11.2023</a:t>
+              <a:t>16.11.2023</a:t>
             </a:fld>
             <a:endParaRPr lang="ru-RU"/>
           </a:p>
@@ -771,7 +775,7 @@
           <a:p>
             <a:fld id="{DB9F53D1-A45D-42A0-860E-F6E788FC6D32}" type="datetimeFigureOut">
               <a:rPr lang="ru-RU" smtClean="0"/>
-              <a:t>15.11.2023</a:t>
+              <a:t>16.11.2023</a:t>
             </a:fld>
             <a:endParaRPr lang="ru-RU"/>
           </a:p>
@@ -1044,7 +1048,7 @@
           <a:p>
             <a:fld id="{DB9F53D1-A45D-42A0-860E-F6E788FC6D32}" type="datetimeFigureOut">
               <a:rPr lang="ru-RU" smtClean="0"/>
-              <a:t>15.11.2023</a:t>
+              <a:t>16.11.2023</a:t>
             </a:fld>
             <a:endParaRPr lang="ru-RU"/>
           </a:p>
@@ -1385,7 +1389,7 @@
           <a:p>
             <a:fld id="{DB9F53D1-A45D-42A0-860E-F6E788FC6D32}" type="datetimeFigureOut">
               <a:rPr lang="ru-RU" smtClean="0"/>
-              <a:t>15.11.2023</a:t>
+              <a:t>16.11.2023</a:t>
             </a:fld>
             <a:endParaRPr lang="ru-RU"/>
           </a:p>
@@ -2008,7 +2012,7 @@
           <a:p>
             <a:fld id="{DB9F53D1-A45D-42A0-860E-F6E788FC6D32}" type="datetimeFigureOut">
               <a:rPr lang="ru-RU" smtClean="0"/>
-              <a:t>15.11.2023</a:t>
+              <a:t>16.11.2023</a:t>
             </a:fld>
             <a:endParaRPr lang="ru-RU"/>
           </a:p>
@@ -2868,7 +2872,7 @@
           <a:p>
             <a:fld id="{DB9F53D1-A45D-42A0-860E-F6E788FC6D32}" type="datetimeFigureOut">
               <a:rPr lang="ru-RU" smtClean="0"/>
-              <a:t>15.11.2023</a:t>
+              <a:t>16.11.2023</a:t>
             </a:fld>
             <a:endParaRPr lang="ru-RU"/>
           </a:p>
@@ -3038,7 +3042,7 @@
           <a:p>
             <a:fld id="{DB9F53D1-A45D-42A0-860E-F6E788FC6D32}" type="datetimeFigureOut">
               <a:rPr lang="ru-RU" smtClean="0"/>
-              <a:t>15.11.2023</a:t>
+              <a:t>16.11.2023</a:t>
             </a:fld>
             <a:endParaRPr lang="ru-RU"/>
           </a:p>
@@ -3218,7 +3222,7 @@
           <a:p>
             <a:fld id="{DB9F53D1-A45D-42A0-860E-F6E788FC6D32}" type="datetimeFigureOut">
               <a:rPr lang="ru-RU" smtClean="0"/>
-              <a:t>15.11.2023</a:t>
+              <a:t>16.11.2023</a:t>
             </a:fld>
             <a:endParaRPr lang="ru-RU"/>
           </a:p>
@@ -3388,7 +3392,7 @@
           <a:p>
             <a:fld id="{DB9F53D1-A45D-42A0-860E-F6E788FC6D32}" type="datetimeFigureOut">
               <a:rPr lang="ru-RU" smtClean="0"/>
-              <a:t>15.11.2023</a:t>
+              <a:t>16.11.2023</a:t>
             </a:fld>
             <a:endParaRPr lang="ru-RU"/>
           </a:p>
@@ -3635,7 +3639,7 @@
           <a:p>
             <a:fld id="{DB9F53D1-A45D-42A0-860E-F6E788FC6D32}" type="datetimeFigureOut">
               <a:rPr lang="ru-RU" smtClean="0"/>
-              <a:t>15.11.2023</a:t>
+              <a:t>16.11.2023</a:t>
             </a:fld>
             <a:endParaRPr lang="ru-RU"/>
           </a:p>
@@ -3927,7 +3931,7 @@
           <a:p>
             <a:fld id="{DB9F53D1-A45D-42A0-860E-F6E788FC6D32}" type="datetimeFigureOut">
               <a:rPr lang="ru-RU" smtClean="0"/>
-              <a:t>15.11.2023</a:t>
+              <a:t>16.11.2023</a:t>
             </a:fld>
             <a:endParaRPr lang="ru-RU"/>
           </a:p>
@@ -4371,7 +4375,7 @@
           <a:p>
             <a:fld id="{DB9F53D1-A45D-42A0-860E-F6E788FC6D32}" type="datetimeFigureOut">
               <a:rPr lang="ru-RU" smtClean="0"/>
-              <a:t>15.11.2023</a:t>
+              <a:t>16.11.2023</a:t>
             </a:fld>
             <a:endParaRPr lang="ru-RU"/>
           </a:p>
@@ -4489,7 +4493,7 @@
           <a:p>
             <a:fld id="{DB9F53D1-A45D-42A0-860E-F6E788FC6D32}" type="datetimeFigureOut">
               <a:rPr lang="ru-RU" smtClean="0"/>
-              <a:t>15.11.2023</a:t>
+              <a:t>16.11.2023</a:t>
             </a:fld>
             <a:endParaRPr lang="ru-RU"/>
           </a:p>
@@ -4584,7 +4588,7 @@
           <a:p>
             <a:fld id="{DB9F53D1-A45D-42A0-860E-F6E788FC6D32}" type="datetimeFigureOut">
               <a:rPr lang="ru-RU" smtClean="0"/>
-              <a:t>15.11.2023</a:t>
+              <a:t>16.11.2023</a:t>
             </a:fld>
             <a:endParaRPr lang="ru-RU"/>
           </a:p>
@@ -4863,7 +4867,7 @@
           <a:p>
             <a:fld id="{DB9F53D1-A45D-42A0-860E-F6E788FC6D32}" type="datetimeFigureOut">
               <a:rPr lang="ru-RU" smtClean="0"/>
-              <a:t>15.11.2023</a:t>
+              <a:t>16.11.2023</a:t>
             </a:fld>
             <a:endParaRPr lang="ru-RU"/>
           </a:p>
@@ -5138,7 +5142,7 @@
           <a:p>
             <a:fld id="{DB9F53D1-A45D-42A0-860E-F6E788FC6D32}" type="datetimeFigureOut">
               <a:rPr lang="ru-RU" smtClean="0"/>
-              <a:t>15.11.2023</a:t>
+              <a:t>16.11.2023</a:t>
             </a:fld>
             <a:endParaRPr lang="ru-RU"/>
           </a:p>
@@ -5570,7 +5574,7 @@
           <a:p>
             <a:fld id="{DB9F53D1-A45D-42A0-860E-F6E788FC6D32}" type="datetimeFigureOut">
               <a:rPr lang="ru-RU" smtClean="0"/>
-              <a:t>15.11.2023</a:t>
+              <a:t>16.11.2023</a:t>
             </a:fld>
             <a:endParaRPr lang="ru-RU"/>
           </a:p>
@@ -6506,8 +6510,8 @@
         </p:blipFill>
         <p:spPr>
           <a:xfrm>
-            <a:off x="4502603" y="2554114"/>
-            <a:ext cx="9043987" cy="4488568"/>
+            <a:off x="3759201" y="2185160"/>
+            <a:ext cx="9787390" cy="4857522"/>
           </a:xfrm>
           <a:prstGeom prst="rect">
             <a:avLst/>
@@ -6565,7 +6569,7 @@
         <p:spPr>
           <a:xfrm>
             <a:off x="457199" y="1939359"/>
-            <a:ext cx="10696575" cy="1107996"/>
+            <a:ext cx="10696575" cy="769441"/>
           </a:xfrm>
           <a:prstGeom prst="rect">
             <a:avLst/>
@@ -6580,7 +6584,7 @@
           <a:p>
             <a:r>
               <a:rPr lang="ru-RU" sz="2200" dirty="0"/>
-              <a:t>Деанонимайзеры позволяют брокерам определить истинную личность клиента, что упрощает предоставление персонализированных услуг и консультаций</a:t>
+              <a:t>Soft-FX использует стратегию сбыта, ориентированную на селективность, фокусируясь на специализированных каналах распределения.</a:t>
             </a:r>
             <a:endParaRPr lang="ru-BY" sz="2200" dirty="0"/>
           </a:p>
@@ -6600,8 +6604,8 @@
         </p:nvSpPr>
         <p:spPr>
           <a:xfrm>
-            <a:off x="457198" y="3532912"/>
-            <a:ext cx="5769431" cy="2400657"/>
+            <a:off x="457199" y="3237637"/>
+            <a:ext cx="6334126" cy="2739211"/>
           </a:xfrm>
           <a:prstGeom prst="rect">
             <a:avLst/>
@@ -6614,10 +6618,9 @@
           <a:lstStyle/>
           <a:p>
             <a:r>
-              <a:rPr lang="ru-BY" sz="2200" dirty="0"/>
-              <a:t>Деанонимайзер, или инструменты для расшифровки источников анонимных данных, предоставляют брокерам ряд значительных преимуществ, помогая им эффективно управлять и анализировать информацию.</a:t>
-            </a:r>
-            <a:endParaRPr lang="ru-RU" sz="2200" dirty="0"/>
+              <a:rPr lang="ru-RU" sz="2200" dirty="0"/>
+              <a:t>У нашей компании существуют парнерские отношения с другими компаниями, которые и представляют наше решение. Наш товар в сети интернет представляет около 12-ти полноценных сайтов, которые поддерживает наша компания.  </a:t>
+            </a:r>
           </a:p>
           <a:p>
             <a:endParaRPr lang="ru-RU" dirty="0"/>
@@ -6672,7 +6675,7 @@
         </p:nvSpPr>
         <p:spPr>
           <a:xfrm>
-            <a:off x="4429210" y="248499"/>
+            <a:off x="5226987" y="276457"/>
             <a:ext cx="7622297" cy="631604"/>
           </a:xfrm>
         </p:spPr>
@@ -6706,8 +6709,8 @@
         </p:nvSpPr>
         <p:spPr>
           <a:xfrm>
-            <a:off x="5753100" y="1176583"/>
-            <a:ext cx="7241484" cy="4801314"/>
+            <a:off x="5226987" y="3429000"/>
+            <a:ext cx="6656713" cy="2800767"/>
           </a:xfrm>
           <a:prstGeom prst="rect">
             <a:avLst/>
@@ -6732,7 +6735,7 @@
             </a:pPr>
             <a:r>
               <a:rPr lang="ru-RU" sz="2200" dirty="0"/>
-              <a:t>Улучшение клиентского обслуживания</a:t>
+              <a:t>Прямые клиентские продажи</a:t>
             </a:r>
           </a:p>
           <a:p>
@@ -6749,7 +6752,7 @@
             </a:pPr>
             <a:r>
               <a:rPr lang="ru-RU" sz="2200" dirty="0"/>
-              <a:t>Анализ и предсказание рынка</a:t>
+              <a:t>Партнерские отношения с брокерами</a:t>
             </a:r>
           </a:p>
           <a:p>
@@ -6766,7 +6769,7 @@
             </a:pPr>
             <a:r>
               <a:rPr lang="ru-RU" sz="2200" dirty="0"/>
-              <a:t>Соблюдение нормативных требований</a:t>
+              <a:t>Онлайн-продажи с лендингов</a:t>
             </a:r>
           </a:p>
           <a:p>
@@ -6783,58 +6786,7 @@
             </a:pPr>
             <a:r>
               <a:rPr lang="ru-RU" sz="2200" dirty="0"/>
-              <a:t>Борьба с мошенничеством</a:t>
-            </a:r>
-          </a:p>
-          <a:p>
-            <a:pPr marL="285750" indent="-285750">
-              <a:buFont typeface="Arial" panose="020B0604020202020204" pitchFamily="34" charset="0"/>
-              <a:buChar char="•"/>
-            </a:pPr>
-            <a:endParaRPr lang="ru-RU" sz="2200" dirty="0"/>
-          </a:p>
-          <a:p>
-            <a:pPr marL="285750" indent="-285750">
-              <a:buFont typeface="Arial" panose="020B0604020202020204" pitchFamily="34" charset="0"/>
-              <a:buChar char="•"/>
-            </a:pPr>
-            <a:r>
-              <a:rPr lang="ru-RU" sz="2200" dirty="0"/>
-              <a:t>Защита конфиденциальности</a:t>
-            </a:r>
-          </a:p>
-          <a:p>
-            <a:pPr marL="285750" indent="-285750">
-              <a:buFont typeface="Arial" panose="020B0604020202020204" pitchFamily="34" charset="0"/>
-              <a:buChar char="•"/>
-            </a:pPr>
-            <a:endParaRPr lang="ru-RU" sz="2200" dirty="0"/>
-          </a:p>
-          <a:p>
-            <a:pPr marL="285750" indent="-285750">
-              <a:buFont typeface="Arial" panose="020B0604020202020204" pitchFamily="34" charset="0"/>
-              <a:buChar char="•"/>
-            </a:pPr>
-            <a:r>
-              <a:rPr lang="ru-RU" sz="2200" dirty="0"/>
-              <a:t>Расширение клиентской базы</a:t>
-            </a:r>
-          </a:p>
-          <a:p>
-            <a:pPr marL="285750" indent="-285750">
-              <a:buFont typeface="Arial" panose="020B0604020202020204" pitchFamily="34" charset="0"/>
-              <a:buChar char="•"/>
-            </a:pPr>
-            <a:endParaRPr lang="ru-RU" sz="2200" dirty="0"/>
-          </a:p>
-          <a:p>
-            <a:pPr marL="285750" indent="-285750">
-              <a:buFont typeface="Arial" panose="020B0604020202020204" pitchFamily="34" charset="0"/>
-              <a:buChar char="•"/>
-            </a:pPr>
-            <a:r>
-              <a:rPr lang="ru-RU" sz="2200" dirty="0"/>
-              <a:t>Улучшение репутации</a:t>
+              <a:t>Реклама продукта от клиентов</a:t>
             </a:r>
           </a:p>
         </p:txBody>
@@ -6867,14 +6819,57 @@
         </p:blipFill>
         <p:spPr>
           <a:xfrm>
-            <a:off x="423867" y="803902"/>
-            <a:ext cx="4993620" cy="5656113"/>
+            <a:off x="308300" y="908061"/>
+            <a:ext cx="4778334" cy="5505867"/>
           </a:xfrm>
           <a:prstGeom prst="rect">
             <a:avLst/>
           </a:prstGeom>
         </p:spPr>
       </p:pic>
+      <p:sp>
+        <p:nvSpPr>
+          <p:cNvPr id="2" name="Rectangle 1">
+            <a:extLst>
+              <a:ext uri="{FF2B5EF4-FFF2-40B4-BE49-F238E27FC236}">
+                <a16:creationId xmlns:a16="http://schemas.microsoft.com/office/drawing/2014/main" id="{FA3DE012-1D1F-44C1-9CB4-5F3B4D1A38E3}"/>
+              </a:ext>
+            </a:extLst>
+          </p:cNvPr>
+          <p:cNvSpPr/>
+          <p:nvPr/>
+        </p:nvSpPr>
+        <p:spPr>
+          <a:xfrm>
+            <a:off x="5226987" y="1305342"/>
+            <a:ext cx="6811085" cy="2123658"/>
+          </a:xfrm>
+          <a:prstGeom prst="rect">
+            <a:avLst/>
+          </a:prstGeom>
+        </p:spPr>
+        <p:txBody>
+          <a:bodyPr wrap="square">
+            <a:spAutoFit/>
+          </a:bodyPr>
+          <a:lstStyle/>
+          <a:p>
+            <a:r>
+              <a:rPr lang="ru-RU" sz="2200" dirty="0"/>
+              <a:t>В узкоспециализированных сферах, таких как</a:t>
+            </a:r>
+            <a:r>
+              <a:rPr lang="en-US" sz="2200" dirty="0"/>
+              <a:t> </a:t>
+            </a:r>
+            <a:r>
+              <a:rPr lang="ru-RU" sz="2200" dirty="0"/>
+              <a:t>криптотехнологии, финтех, канал распределения бывает сильно ограничен ввиду непопулярности товара, технической сложности реализации и относительной дороговизны</a:t>
+            </a:r>
+            <a:endParaRPr lang="en-US" sz="2200" dirty="0"/>
+          </a:p>
+        </p:txBody>
+      </p:sp>
     </p:spTree>
     <p:extLst>
       <p:ext uri="{BB962C8B-B14F-4D97-AF65-F5344CB8AC3E}">
@@ -6933,8 +6928,8 @@
         </p:blipFill>
         <p:spPr>
           <a:xfrm>
-            <a:off x="6096000" y="2011964"/>
-            <a:ext cx="5962650" cy="4772025"/>
+            <a:off x="6448425" y="1543465"/>
+            <a:ext cx="5743575" cy="4772025"/>
           </a:xfrm>
           <a:prstGeom prst="rect">
             <a:avLst/>
@@ -6959,7 +6954,7 @@
         </p:nvSpPr>
         <p:spPr>
           <a:xfrm>
-            <a:off x="759459" y="506428"/>
+            <a:off x="759459" y="725503"/>
             <a:ext cx="4107815" cy="631604"/>
           </a:xfrm>
         </p:spPr>
@@ -6981,42 +6976,6 @@
                 <a:schemeClr val="tx1"/>
               </a:solidFill>
             </a:endParaRPr>
-          </a:p>
-        </p:txBody>
-      </p:sp>
-      <p:sp>
-        <p:nvSpPr>
-          <p:cNvPr id="26" name="TextBox 25">
-            <a:extLst>
-              <a:ext uri="{FF2B5EF4-FFF2-40B4-BE49-F238E27FC236}">
-                <a16:creationId xmlns:a16="http://schemas.microsoft.com/office/drawing/2014/main" id="{447EFBEF-A064-4E69-B53E-64420ED2B681}"/>
-              </a:ext>
-            </a:extLst>
-          </p:cNvPr>
-          <p:cNvSpPr txBox="1"/>
-          <p:nvPr/>
-        </p:nvSpPr>
-        <p:spPr>
-          <a:xfrm>
-            <a:off x="759460" y="4108906"/>
-            <a:ext cx="5962650" cy="1446550"/>
-          </a:xfrm>
-          <a:prstGeom prst="rect">
-            <a:avLst/>
-          </a:prstGeom>
-          <a:noFill/>
-        </p:spPr>
-        <p:txBody>
-          <a:bodyPr wrap="square">
-            <a:spAutoFit/>
-          </a:bodyPr>
-          <a:lstStyle/>
-          <a:p>
-            <a:r>
-              <a:rPr lang="ru-RU" sz="2200" dirty="0"/>
-              <a:t>Благодаря деанонимайзеру ваша платформа станет более прогрессивной и безопасной и привлечет новых клиентов</a:t>
-            </a:r>
-            <a:endParaRPr lang="ru-BY" sz="2200" dirty="0"/>
           </a:p>
         </p:txBody>
       </p:sp>
@@ -7034,8 +6993,8 @@
         </p:nvSpPr>
         <p:spPr>
           <a:xfrm>
-            <a:off x="759460" y="1856542"/>
-            <a:ext cx="7499169" cy="2123658"/>
+            <a:off x="759459" y="2276266"/>
+            <a:ext cx="6365240" cy="3477875"/>
           </a:xfrm>
           <a:prstGeom prst="rect">
             <a:avLst/>
@@ -7049,8 +7008,25 @@
           <a:lstStyle/>
           <a:p>
             <a:r>
+              <a:rPr lang="ru-RU" sz="2200" b="1" dirty="0"/>
+              <a:t>Наши торговые </a:t>
+            </a:r>
+            <a:r>
               <a:rPr lang="ru-RU" sz="2200" dirty="0"/>
-              <a:t>Если в вашем проекте присутствует деанонимайзер, ваша платформа становится безопаснее и чище. Деанонимайзер повышает чистоту сделок, которые проходят на вашей платформе. Уменьшается степень мошенничества.</a:t>
+              <a:t>посредники – это брокеры, клиенты, которые уже приобрели товар и рекламируют его со стороны своей платформы.</a:t>
+            </a:r>
+          </a:p>
+          <a:p>
+            <a:endParaRPr lang="ru-RU" sz="2200" dirty="0"/>
+          </a:p>
+          <a:p>
+            <a:r>
+              <a:rPr lang="ru-RU" sz="2200" b="1" dirty="0"/>
+              <a:t>Неторговае посредники </a:t>
+            </a:r>
+            <a:r>
+              <a:rPr lang="ru-RU" sz="2200" dirty="0"/>
+              <a:t>- это консультанты, представители разных офисов в разных странах, техническая поддержка и парнеры в сфере разработки ПО. </a:t>
             </a:r>
           </a:p>
         </p:txBody>
@@ -7069,6 +7045,723 @@
 </file>
 
 <file path=ppt/slides/slide5.xml><?xml version="1.0" encoding="utf-8"?>
+<p:sld xmlns:a="http://schemas.openxmlformats.org/drawingml/2006/main" xmlns:r="http://schemas.openxmlformats.org/officeDocument/2006/relationships" xmlns:p="http://schemas.openxmlformats.org/presentationml/2006/main">
+  <p:cSld>
+    <p:spTree>
+      <p:nvGrpSpPr>
+        <p:cNvPr id="1" name=""/>
+        <p:cNvGrpSpPr/>
+        <p:nvPr/>
+      </p:nvGrpSpPr>
+      <p:grpSpPr>
+        <a:xfrm>
+          <a:off x="0" y="0"/>
+          <a:ext cx="0" cy="0"/>
+          <a:chOff x="0" y="0"/>
+          <a:chExt cx="0" cy="0"/>
+        </a:xfrm>
+      </p:grpSpPr>
+      <p:sp>
+        <p:nvSpPr>
+          <p:cNvPr id="8" name="Заголовок 1">
+            <a:extLst>
+              <a:ext uri="{FF2B5EF4-FFF2-40B4-BE49-F238E27FC236}">
+                <a16:creationId xmlns:a16="http://schemas.microsoft.com/office/drawing/2014/main" id="{9DA95DF0-3837-4EBE-81D4-0F2390EFD3A6}"/>
+              </a:ext>
+            </a:extLst>
+          </p:cNvPr>
+          <p:cNvSpPr>
+            <a:spLocks noGrp="1"/>
+          </p:cNvSpPr>
+          <p:nvPr>
+            <p:ph type="title"/>
+          </p:nvPr>
+        </p:nvSpPr>
+        <p:spPr>
+          <a:xfrm>
+            <a:off x="5419724" y="612136"/>
+            <a:ext cx="5774691" cy="1292864"/>
+          </a:xfrm>
+        </p:spPr>
+        <p:txBody>
+          <a:bodyPr/>
+          <a:lstStyle/>
+          <a:p>
+            <a:r>
+              <a:rPr lang="ru-RU" b="1" dirty="0">
+                <a:solidFill>
+                  <a:schemeClr val="tx1"/>
+                </a:solidFill>
+                <a:latin typeface="Arial Black" panose="020B0A04020102020204" pitchFamily="34" charset="0"/>
+              </a:rPr>
+              <a:t>Глубина каналов </a:t>
+            </a:r>
+            <a:br>
+              <a:rPr lang="ru-RU" b="1" dirty="0">
+                <a:solidFill>
+                  <a:schemeClr val="tx1"/>
+                </a:solidFill>
+                <a:latin typeface="Arial Black" panose="020B0A04020102020204" pitchFamily="34" charset="0"/>
+              </a:rPr>
+            </a:br>
+            <a:r>
+              <a:rPr lang="ru-RU" b="1" dirty="0">
+                <a:solidFill>
+                  <a:schemeClr val="tx1"/>
+                </a:solidFill>
+                <a:latin typeface="Arial Black" panose="020B0A04020102020204" pitchFamily="34" charset="0"/>
+              </a:rPr>
+              <a:t>распределения</a:t>
+            </a:r>
+            <a:endParaRPr lang="ru-RU" b="1" dirty="0">
+              <a:solidFill>
+                <a:schemeClr val="tx1"/>
+              </a:solidFill>
+            </a:endParaRPr>
+          </a:p>
+        </p:txBody>
+      </p:sp>
+      <p:sp>
+        <p:nvSpPr>
+          <p:cNvPr id="9" name="TextBox 8">
+            <a:extLst>
+              <a:ext uri="{FF2B5EF4-FFF2-40B4-BE49-F238E27FC236}">
+                <a16:creationId xmlns:a16="http://schemas.microsoft.com/office/drawing/2014/main" id="{9F36DE6D-752A-4084-81B7-8B4E0A137B21}"/>
+              </a:ext>
+            </a:extLst>
+          </p:cNvPr>
+          <p:cNvSpPr txBox="1"/>
+          <p:nvPr/>
+        </p:nvSpPr>
+        <p:spPr>
+          <a:xfrm>
+            <a:off x="5419724" y="2501289"/>
+            <a:ext cx="6229349" cy="3477875"/>
+          </a:xfrm>
+          <a:prstGeom prst="rect">
+            <a:avLst/>
+          </a:prstGeom>
+          <a:noFill/>
+        </p:spPr>
+        <p:txBody>
+          <a:bodyPr wrap="square">
+            <a:spAutoFit/>
+          </a:bodyPr>
+          <a:lstStyle/>
+          <a:p>
+            <a:r>
+              <a:rPr lang="ru-RU" sz="2200" dirty="0"/>
+              <a:t>Ввиду того, что компания </a:t>
+            </a:r>
+            <a:r>
+              <a:rPr lang="en-US" sz="2200" dirty="0"/>
+              <a:t>Soft-FX </a:t>
+            </a:r>
+            <a:r>
+              <a:rPr lang="ru-RU" sz="2200" dirty="0"/>
+              <a:t>предоставляет очень специализированный продукт (а точнее его разработку), каналы распределения содержат по 1-2 уровня.</a:t>
+            </a:r>
+          </a:p>
+          <a:p>
+            <a:endParaRPr lang="ru-RU" sz="2200" dirty="0"/>
+          </a:p>
+          <a:p>
+            <a:r>
+              <a:rPr lang="ru-RU" sz="2200" dirty="0"/>
+              <a:t>Продуки продается непосредственно компанией </a:t>
+            </a:r>
+            <a:r>
+              <a:rPr lang="en-US" sz="2200" dirty="0"/>
+              <a:t>Soft-FX </a:t>
+            </a:r>
+            <a:r>
+              <a:rPr lang="ru-RU" sz="2200" dirty="0"/>
+              <a:t>или компаниями партнерами</a:t>
+            </a:r>
+            <a:r>
+              <a:rPr lang="en-US" sz="2200" dirty="0"/>
+              <a:t> </a:t>
+            </a:r>
+            <a:r>
+              <a:rPr lang="ru-RU" sz="2200" dirty="0"/>
+              <a:t>такими как </a:t>
+            </a:r>
+            <a:r>
+              <a:rPr lang="en-US" sz="2200" dirty="0" err="1"/>
+              <a:t>WLGlobal</a:t>
+            </a:r>
+            <a:r>
+              <a:rPr lang="en-US" sz="2200" dirty="0"/>
+              <a:t>, </a:t>
+            </a:r>
+            <a:r>
+              <a:rPr lang="en-US" sz="2200" dirty="0" err="1"/>
+              <a:t>TenkoFX</a:t>
+            </a:r>
+            <a:r>
+              <a:rPr lang="en-US" sz="2200" dirty="0"/>
+              <a:t> </a:t>
+            </a:r>
+            <a:r>
+              <a:rPr lang="ru-RU" sz="2200" dirty="0"/>
+              <a:t>и др.</a:t>
+            </a:r>
+          </a:p>
+        </p:txBody>
+      </p:sp>
+      <p:pic>
+        <p:nvPicPr>
+          <p:cNvPr id="6" name="Picture 5">
+            <a:extLst>
+              <a:ext uri="{FF2B5EF4-FFF2-40B4-BE49-F238E27FC236}">
+                <a16:creationId xmlns:a16="http://schemas.microsoft.com/office/drawing/2014/main" id="{781C8FE9-DB3E-42F6-AFA7-8880B4BD4430}"/>
+              </a:ext>
+            </a:extLst>
+          </p:cNvPr>
+          <p:cNvPicPr>
+            <a:picLocks noChangeAspect="1"/>
+          </p:cNvPicPr>
+          <p:nvPr/>
+        </p:nvPicPr>
+        <p:blipFill>
+          <a:blip r:embed="rId2">
+            <a:extLst>
+              <a:ext uri="{28A0092B-C50C-407E-A947-70E740481C1C}">
+                <a14:useLocalDpi xmlns:a14="http://schemas.microsoft.com/office/drawing/2010/main" val="0"/>
+              </a:ext>
+            </a:extLst>
+          </a:blip>
+          <a:stretch>
+            <a:fillRect/>
+          </a:stretch>
+        </p:blipFill>
+        <p:spPr>
+          <a:xfrm>
+            <a:off x="542927" y="2156748"/>
+            <a:ext cx="4625656" cy="3478207"/>
+          </a:xfrm>
+          <a:prstGeom prst="rect">
+            <a:avLst/>
+          </a:prstGeom>
+        </p:spPr>
+      </p:pic>
+    </p:spTree>
+    <p:extLst>
+      <p:ext uri="{BB962C8B-B14F-4D97-AF65-F5344CB8AC3E}">
+        <p14:creationId xmlns:p14="http://schemas.microsoft.com/office/powerpoint/2010/main" val="1858816621"/>
+      </p:ext>
+    </p:extLst>
+  </p:cSld>
+  <p:clrMapOvr>
+    <a:masterClrMapping/>
+  </p:clrMapOvr>
+</p:sld>
+</file>
+
+<file path=ppt/slides/slide6.xml><?xml version="1.0" encoding="utf-8"?>
+<p:sld xmlns:a="http://schemas.openxmlformats.org/drawingml/2006/main" xmlns:r="http://schemas.openxmlformats.org/officeDocument/2006/relationships" xmlns:p="http://schemas.openxmlformats.org/presentationml/2006/main">
+  <p:cSld>
+    <p:spTree>
+      <p:nvGrpSpPr>
+        <p:cNvPr id="1" name=""/>
+        <p:cNvGrpSpPr/>
+        <p:nvPr/>
+      </p:nvGrpSpPr>
+      <p:grpSpPr>
+        <a:xfrm>
+          <a:off x="0" y="0"/>
+          <a:ext cx="0" cy="0"/>
+          <a:chOff x="0" y="0"/>
+          <a:chExt cx="0" cy="0"/>
+        </a:xfrm>
+      </p:grpSpPr>
+      <p:sp>
+        <p:nvSpPr>
+          <p:cNvPr id="8" name="Заголовок 1">
+            <a:extLst>
+              <a:ext uri="{FF2B5EF4-FFF2-40B4-BE49-F238E27FC236}">
+                <a16:creationId xmlns:a16="http://schemas.microsoft.com/office/drawing/2014/main" id="{9DA95DF0-3837-4EBE-81D4-0F2390EFD3A6}"/>
+              </a:ext>
+            </a:extLst>
+          </p:cNvPr>
+          <p:cNvSpPr>
+            <a:spLocks noGrp="1"/>
+          </p:cNvSpPr>
+          <p:nvPr>
+            <p:ph type="title"/>
+          </p:nvPr>
+        </p:nvSpPr>
+        <p:spPr>
+          <a:xfrm>
+            <a:off x="759459" y="725503"/>
+            <a:ext cx="6031866" cy="631604"/>
+          </a:xfrm>
+        </p:spPr>
+        <p:txBody>
+          <a:bodyPr/>
+          <a:lstStyle/>
+          <a:p>
+            <a:r>
+              <a:rPr lang="ru-RU" b="1" dirty="0">
+                <a:solidFill>
+                  <a:schemeClr val="tx1"/>
+                </a:solidFill>
+                <a:latin typeface="Arial Black" panose="020B0A04020102020204" pitchFamily="34" charset="0"/>
+              </a:rPr>
+              <a:t>Роль посредников</a:t>
+            </a:r>
+            <a:endParaRPr lang="ru-RU" b="1" dirty="0">
+              <a:solidFill>
+                <a:schemeClr val="tx1"/>
+              </a:solidFill>
+            </a:endParaRPr>
+          </a:p>
+        </p:txBody>
+      </p:sp>
+      <p:sp>
+        <p:nvSpPr>
+          <p:cNvPr id="9" name="TextBox 8">
+            <a:extLst>
+              <a:ext uri="{FF2B5EF4-FFF2-40B4-BE49-F238E27FC236}">
+                <a16:creationId xmlns:a16="http://schemas.microsoft.com/office/drawing/2014/main" id="{9F36DE6D-752A-4084-81B7-8B4E0A137B21}"/>
+              </a:ext>
+            </a:extLst>
+          </p:cNvPr>
+          <p:cNvSpPr txBox="1"/>
+          <p:nvPr/>
+        </p:nvSpPr>
+        <p:spPr>
+          <a:xfrm>
+            <a:off x="759459" y="1977513"/>
+            <a:ext cx="6365240" cy="4154984"/>
+          </a:xfrm>
+          <a:prstGeom prst="rect">
+            <a:avLst/>
+          </a:prstGeom>
+          <a:noFill/>
+        </p:spPr>
+        <p:txBody>
+          <a:bodyPr wrap="square">
+            <a:spAutoFit/>
+          </a:bodyPr>
+          <a:lstStyle/>
+          <a:p>
+            <a:r>
+              <a:rPr lang="ru-RU" sz="2200" dirty="0"/>
+              <a:t>Посредник – лицо, продающее товар независимо от головной компании. </a:t>
+            </a:r>
+          </a:p>
+          <a:p>
+            <a:endParaRPr lang="ru-RU" sz="2200" dirty="0"/>
+          </a:p>
+          <a:p>
+            <a:r>
+              <a:rPr lang="ru-RU" sz="2200" b="1" dirty="0"/>
+              <a:t>Мотивация посредника</a:t>
+            </a:r>
+            <a:r>
+              <a:rPr lang="en-US" sz="2200" dirty="0"/>
+              <a:t>. </a:t>
+            </a:r>
+            <a:r>
+              <a:rPr lang="ru-RU" sz="2200" dirty="0"/>
+              <a:t>Посредник получает долю после разработки и продажи продукта, а также имеет возможность продолжить ведение клиента, после того, как работа будет закончена.</a:t>
+            </a:r>
+          </a:p>
+          <a:p>
+            <a:endParaRPr lang="ru-RU" sz="2200" dirty="0"/>
+          </a:p>
+          <a:p>
+            <a:r>
+              <a:rPr lang="ru-RU" sz="2200" b="1" dirty="0"/>
+              <a:t>Надбавка. </a:t>
+            </a:r>
+            <a:r>
+              <a:rPr lang="ru-RU" sz="2200" dirty="0"/>
+              <a:t>Канал распределения имеет не более двух уровней, надбавка к цене лежит в пределах </a:t>
+            </a:r>
+            <a:r>
+              <a:rPr lang="en-US" sz="2200" dirty="0"/>
+              <a:t>5-10%</a:t>
+            </a:r>
+            <a:endParaRPr lang="ru-RU" sz="2200" b="1" dirty="0"/>
+          </a:p>
+        </p:txBody>
+      </p:sp>
+      <p:pic>
+        <p:nvPicPr>
+          <p:cNvPr id="6" name="Picture 5">
+            <a:extLst>
+              <a:ext uri="{FF2B5EF4-FFF2-40B4-BE49-F238E27FC236}">
+                <a16:creationId xmlns:a16="http://schemas.microsoft.com/office/drawing/2014/main" id="{E1E6E079-D899-4F54-B0AA-291069BD6137}"/>
+              </a:ext>
+            </a:extLst>
+          </p:cNvPr>
+          <p:cNvPicPr>
+            <a:picLocks noChangeAspect="1"/>
+          </p:cNvPicPr>
+          <p:nvPr/>
+        </p:nvPicPr>
+        <p:blipFill>
+          <a:blip r:embed="rId2">
+            <a:extLst>
+              <a:ext uri="{28A0092B-C50C-407E-A947-70E740481C1C}">
+                <a14:useLocalDpi xmlns:a14="http://schemas.microsoft.com/office/drawing/2010/main" val="0"/>
+              </a:ext>
+            </a:extLst>
+          </a:blip>
+          <a:stretch>
+            <a:fillRect/>
+          </a:stretch>
+        </p:blipFill>
+        <p:spPr>
+          <a:xfrm>
+            <a:off x="5483225" y="1230297"/>
+            <a:ext cx="7829550" cy="5219700"/>
+          </a:xfrm>
+          <a:prstGeom prst="rect">
+            <a:avLst/>
+          </a:prstGeom>
+        </p:spPr>
+      </p:pic>
+    </p:spTree>
+    <p:extLst>
+      <p:ext uri="{BB962C8B-B14F-4D97-AF65-F5344CB8AC3E}">
+        <p14:creationId xmlns:p14="http://schemas.microsoft.com/office/powerpoint/2010/main" val="2451028239"/>
+      </p:ext>
+    </p:extLst>
+  </p:cSld>
+  <p:clrMapOvr>
+    <a:masterClrMapping/>
+  </p:clrMapOvr>
+</p:sld>
+</file>
+
+<file path=ppt/slides/slide7.xml><?xml version="1.0" encoding="utf-8"?>
+<p:sld xmlns:a="http://schemas.openxmlformats.org/drawingml/2006/main" xmlns:r="http://schemas.openxmlformats.org/officeDocument/2006/relationships" xmlns:p="http://schemas.openxmlformats.org/presentationml/2006/main">
+  <p:cSld>
+    <p:spTree>
+      <p:nvGrpSpPr>
+        <p:cNvPr id="1" name=""/>
+        <p:cNvGrpSpPr/>
+        <p:nvPr/>
+      </p:nvGrpSpPr>
+      <p:grpSpPr>
+        <a:xfrm>
+          <a:off x="0" y="0"/>
+          <a:ext cx="0" cy="0"/>
+          <a:chOff x="0" y="0"/>
+          <a:chExt cx="0" cy="0"/>
+        </a:xfrm>
+      </p:grpSpPr>
+      <p:pic>
+        <p:nvPicPr>
+          <p:cNvPr id="7" name="Picture 6">
+            <a:extLst>
+              <a:ext uri="{FF2B5EF4-FFF2-40B4-BE49-F238E27FC236}">
+                <a16:creationId xmlns:a16="http://schemas.microsoft.com/office/drawing/2014/main" id="{5C78C7A2-7064-4B74-B89A-EBAD268A6844}"/>
+              </a:ext>
+            </a:extLst>
+          </p:cNvPr>
+          <p:cNvPicPr>
+            <a:picLocks noChangeAspect="1"/>
+          </p:cNvPicPr>
+          <p:nvPr/>
+        </p:nvPicPr>
+        <p:blipFill>
+          <a:blip r:embed="rId2">
+            <a:extLst>
+              <a:ext uri="{28A0092B-C50C-407E-A947-70E740481C1C}">
+                <a14:useLocalDpi xmlns:a14="http://schemas.microsoft.com/office/drawing/2010/main" val="0"/>
+              </a:ext>
+            </a:extLst>
+          </a:blip>
+          <a:stretch>
+            <a:fillRect/>
+          </a:stretch>
+        </p:blipFill>
+        <p:spPr>
+          <a:xfrm>
+            <a:off x="0" y="0"/>
+            <a:ext cx="12192000" cy="6858000"/>
+          </a:xfrm>
+          <a:prstGeom prst="rect">
+            <a:avLst/>
+          </a:prstGeom>
+        </p:spPr>
+      </p:pic>
+      <p:sp>
+        <p:nvSpPr>
+          <p:cNvPr id="8" name="Заголовок 1">
+            <a:extLst>
+              <a:ext uri="{FF2B5EF4-FFF2-40B4-BE49-F238E27FC236}">
+                <a16:creationId xmlns:a16="http://schemas.microsoft.com/office/drawing/2014/main" id="{9DA95DF0-3837-4EBE-81D4-0F2390EFD3A6}"/>
+              </a:ext>
+            </a:extLst>
+          </p:cNvPr>
+          <p:cNvSpPr>
+            <a:spLocks noGrp="1"/>
+          </p:cNvSpPr>
+          <p:nvPr>
+            <p:ph type="title"/>
+          </p:nvPr>
+        </p:nvSpPr>
+        <p:spPr>
+          <a:xfrm>
+            <a:off x="759459" y="387930"/>
+            <a:ext cx="6031866" cy="631604"/>
+          </a:xfrm>
+        </p:spPr>
+        <p:txBody>
+          <a:bodyPr/>
+          <a:lstStyle/>
+          <a:p>
+            <a:r>
+              <a:rPr lang="ru-RU" b="1" dirty="0">
+                <a:solidFill>
+                  <a:schemeClr val="tx1">
+                    <a:lumMod val="85000"/>
+                    <a:lumOff val="15000"/>
+                  </a:schemeClr>
+                </a:solidFill>
+                <a:latin typeface="Arial Black" panose="020B0A04020102020204" pitchFamily="34" charset="0"/>
+              </a:rPr>
+              <a:t>Недостатки канала распределения </a:t>
+            </a:r>
+            <a:endParaRPr lang="ru-RU" b="1" dirty="0">
+              <a:solidFill>
+                <a:schemeClr val="tx1">
+                  <a:lumMod val="85000"/>
+                  <a:lumOff val="15000"/>
+                </a:schemeClr>
+              </a:solidFill>
+            </a:endParaRPr>
+          </a:p>
+        </p:txBody>
+      </p:sp>
+      <p:sp>
+        <p:nvSpPr>
+          <p:cNvPr id="10" name="Rectangle 9">
+            <a:extLst>
+              <a:ext uri="{FF2B5EF4-FFF2-40B4-BE49-F238E27FC236}">
+                <a16:creationId xmlns:a16="http://schemas.microsoft.com/office/drawing/2014/main" id="{00CBD61A-CA07-4878-A7C2-996202F915EB}"/>
+              </a:ext>
+            </a:extLst>
+          </p:cNvPr>
+          <p:cNvSpPr/>
+          <p:nvPr/>
+        </p:nvSpPr>
+        <p:spPr>
+          <a:xfrm>
+            <a:off x="759460" y="2361486"/>
+            <a:ext cx="6031866" cy="4154984"/>
+          </a:xfrm>
+          <a:prstGeom prst="rect">
+            <a:avLst/>
+          </a:prstGeom>
+        </p:spPr>
+        <p:txBody>
+          <a:bodyPr wrap="square">
+            <a:spAutoFit/>
+          </a:bodyPr>
+          <a:lstStyle/>
+          <a:p>
+            <a:r>
+              <a:rPr lang="ru-RU" sz="2200" b="1" dirty="0"/>
+              <a:t>Главным недостатком </a:t>
+            </a:r>
+            <a:r>
+              <a:rPr lang="ru-RU" sz="2200" dirty="0"/>
+              <a:t>существующего распределения является его небольшая глубина. Нам следовало бы расширять круг наших посредников, проводить качественную рекламу и распространять продукт в другие страны.</a:t>
+            </a:r>
+          </a:p>
+          <a:p>
+            <a:endParaRPr lang="ru-RU" sz="2200" dirty="0"/>
+          </a:p>
+          <a:p>
+            <a:r>
+              <a:rPr lang="ru-RU" sz="2200" dirty="0"/>
+              <a:t>Из второстепенных недостатков можно выделить языковой барьер с парнерами,</a:t>
+            </a:r>
+          </a:p>
+          <a:p>
+            <a:r>
+              <a:rPr lang="ru-RU" sz="2200" dirty="0"/>
+              <a:t>Узкоспециализированность решения.</a:t>
+            </a:r>
+          </a:p>
+          <a:p>
+            <a:endParaRPr lang="en-US" sz="2200" dirty="0"/>
+          </a:p>
+        </p:txBody>
+      </p:sp>
+    </p:spTree>
+    <p:extLst>
+      <p:ext uri="{BB962C8B-B14F-4D97-AF65-F5344CB8AC3E}">
+        <p14:creationId xmlns:p14="http://schemas.microsoft.com/office/powerpoint/2010/main" val="1440377051"/>
+      </p:ext>
+    </p:extLst>
+  </p:cSld>
+  <p:clrMapOvr>
+    <a:masterClrMapping/>
+  </p:clrMapOvr>
+</p:sld>
+</file>
+
+<file path=ppt/slides/slide8.xml><?xml version="1.0" encoding="utf-8"?>
+<p:sld xmlns:a="http://schemas.openxmlformats.org/drawingml/2006/main" xmlns:r="http://schemas.openxmlformats.org/officeDocument/2006/relationships" xmlns:p="http://schemas.openxmlformats.org/presentationml/2006/main">
+  <p:cSld>
+    <p:spTree>
+      <p:nvGrpSpPr>
+        <p:cNvPr id="1" name=""/>
+        <p:cNvGrpSpPr/>
+        <p:nvPr/>
+      </p:nvGrpSpPr>
+      <p:grpSpPr>
+        <a:xfrm>
+          <a:off x="0" y="0"/>
+          <a:ext cx="0" cy="0"/>
+          <a:chOff x="0" y="0"/>
+          <a:chExt cx="0" cy="0"/>
+        </a:xfrm>
+      </p:grpSpPr>
+      <p:pic>
+        <p:nvPicPr>
+          <p:cNvPr id="10" name="Picture 9">
+            <a:extLst>
+              <a:ext uri="{FF2B5EF4-FFF2-40B4-BE49-F238E27FC236}">
+                <a16:creationId xmlns:a16="http://schemas.microsoft.com/office/drawing/2014/main" id="{8D42DAA2-D8FE-4047-B1EF-3AD85750239E}"/>
+              </a:ext>
+            </a:extLst>
+          </p:cNvPr>
+          <p:cNvPicPr>
+            <a:picLocks noChangeAspect="1"/>
+          </p:cNvPicPr>
+          <p:nvPr/>
+        </p:nvPicPr>
+        <p:blipFill>
+          <a:blip r:embed="rId2">
+            <a:extLst>
+              <a:ext uri="{28A0092B-C50C-407E-A947-70E740481C1C}">
+                <a14:useLocalDpi xmlns:a14="http://schemas.microsoft.com/office/drawing/2010/main" val="0"/>
+              </a:ext>
+            </a:extLst>
+          </a:blip>
+          <a:stretch>
+            <a:fillRect/>
+          </a:stretch>
+        </p:blipFill>
+        <p:spPr>
+          <a:xfrm>
+            <a:off x="-520700" y="292100"/>
+            <a:ext cx="6858000" cy="6858000"/>
+          </a:xfrm>
+          <a:prstGeom prst="rect">
+            <a:avLst/>
+          </a:prstGeom>
+        </p:spPr>
+      </p:pic>
+      <p:sp>
+        <p:nvSpPr>
+          <p:cNvPr id="8" name="Заголовок 1">
+            <a:extLst>
+              <a:ext uri="{FF2B5EF4-FFF2-40B4-BE49-F238E27FC236}">
+                <a16:creationId xmlns:a16="http://schemas.microsoft.com/office/drawing/2014/main" id="{9DA95DF0-3837-4EBE-81D4-0F2390EFD3A6}"/>
+              </a:ext>
+            </a:extLst>
+          </p:cNvPr>
+          <p:cNvSpPr>
+            <a:spLocks noGrp="1"/>
+          </p:cNvSpPr>
+          <p:nvPr>
+            <p:ph type="title"/>
+          </p:nvPr>
+        </p:nvSpPr>
+        <p:spPr>
+          <a:xfrm>
+            <a:off x="4813300" y="583658"/>
+            <a:ext cx="7150100" cy="1292864"/>
+          </a:xfrm>
+        </p:spPr>
+        <p:txBody>
+          <a:bodyPr/>
+          <a:lstStyle/>
+          <a:p>
+            <a:r>
+              <a:rPr lang="ru-RU" b="1" dirty="0">
+                <a:solidFill>
+                  <a:schemeClr val="tx1"/>
+                </a:solidFill>
+                <a:latin typeface="Arial Black" panose="020B0A04020102020204" pitchFamily="34" charset="0"/>
+              </a:rPr>
+              <a:t>Канал распределения для нового товара</a:t>
+            </a:r>
+            <a:endParaRPr lang="ru-RU" b="1" dirty="0">
+              <a:solidFill>
+                <a:schemeClr val="tx1"/>
+              </a:solidFill>
+            </a:endParaRPr>
+          </a:p>
+        </p:txBody>
+      </p:sp>
+      <p:sp>
+        <p:nvSpPr>
+          <p:cNvPr id="9" name="TextBox 8">
+            <a:extLst>
+              <a:ext uri="{FF2B5EF4-FFF2-40B4-BE49-F238E27FC236}">
+                <a16:creationId xmlns:a16="http://schemas.microsoft.com/office/drawing/2014/main" id="{9F36DE6D-752A-4084-81B7-8B4E0A137B21}"/>
+              </a:ext>
+            </a:extLst>
+          </p:cNvPr>
+          <p:cNvSpPr txBox="1"/>
+          <p:nvPr/>
+        </p:nvSpPr>
+        <p:spPr>
+          <a:xfrm>
+            <a:off x="4813300" y="2488589"/>
+            <a:ext cx="6858000" cy="3139321"/>
+          </a:xfrm>
+          <a:prstGeom prst="rect">
+            <a:avLst/>
+          </a:prstGeom>
+          <a:noFill/>
+        </p:spPr>
+        <p:txBody>
+          <a:bodyPr wrap="square">
+            <a:spAutoFit/>
+          </a:bodyPr>
+          <a:lstStyle/>
+          <a:p>
+            <a:r>
+              <a:rPr lang="ru-RU" sz="2200" dirty="0"/>
+              <a:t>Для нашего нового продукта мы применим комбинированный канал с прямыми продажами через собственные платформы и партнерскими отношениями с крупными брокерами.</a:t>
+            </a:r>
+          </a:p>
+          <a:p>
+            <a:endParaRPr lang="ru-RU" sz="2200" dirty="0"/>
+          </a:p>
+          <a:p>
+            <a:r>
+              <a:rPr lang="ru-RU" sz="2200" dirty="0"/>
+              <a:t>Для максимального охвата аудитории мы проведем хорошую рекламную компанию, а также откроем новые вакансии.</a:t>
+            </a:r>
+          </a:p>
+        </p:txBody>
+      </p:sp>
+    </p:spTree>
+    <p:extLst>
+      <p:ext uri="{BB962C8B-B14F-4D97-AF65-F5344CB8AC3E}">
+        <p14:creationId xmlns:p14="http://schemas.microsoft.com/office/powerpoint/2010/main" val="827323037"/>
+      </p:ext>
+    </p:extLst>
+  </p:cSld>
+  <p:clrMapOvr>
+    <a:masterClrMapping/>
+  </p:clrMapOvr>
+</p:sld>
+</file>
+
+<file path=ppt/slides/slide9.xml><?xml version="1.0" encoding="utf-8"?>
 <p:sld xmlns:a="http://schemas.openxmlformats.org/drawingml/2006/main" xmlns:r="http://schemas.openxmlformats.org/officeDocument/2006/relationships" xmlns:p="http://schemas.openxmlformats.org/presentationml/2006/main" showMasterSp="0">
   <p:cSld>
     <p:spTree>
